--- a/Data/buffer stability.pptx
+++ b/Data/buffer stability.pptx
@@ -106,6 +106,11 @@
       </a:defRPr>
     </a:lvl9pPr>
   </p:defaultTextStyle>
+  <p:extLst>
+    <p:ext uri="{EFAFB233-063F-42B5-8137-9DF3F51BA10A}">
+      <p15:sldGuideLst xmlns:p15="http://schemas.microsoft.com/office/powerpoint/2012/main"/>
+    </p:ext>
+  </p:extLst>
 </p:presentation>
 </file>
 
@@ -256,7 +261,7 @@
           <a:p>
             <a:fld id="{D626D27D-2B2B-4A3C-BBE7-6215BD497368}" type="datetimeFigureOut">
               <a:rPr lang="en-US" smtClean="0"/>
-              <a:t>5/4/2020</a:t>
+              <a:t>5/22/2020</a:t>
             </a:fld>
             <a:endParaRPr lang="en-US"/>
           </a:p>
@@ -454,7 +459,7 @@
           <a:p>
             <a:fld id="{D626D27D-2B2B-4A3C-BBE7-6215BD497368}" type="datetimeFigureOut">
               <a:rPr lang="en-US" smtClean="0"/>
-              <a:t>5/4/2020</a:t>
+              <a:t>5/22/2020</a:t>
             </a:fld>
             <a:endParaRPr lang="en-US"/>
           </a:p>
@@ -662,7 +667,7 @@
           <a:p>
             <a:fld id="{D626D27D-2B2B-4A3C-BBE7-6215BD497368}" type="datetimeFigureOut">
               <a:rPr lang="en-US" smtClean="0"/>
-              <a:t>5/4/2020</a:t>
+              <a:t>5/22/2020</a:t>
             </a:fld>
             <a:endParaRPr lang="en-US"/>
           </a:p>
@@ -860,7 +865,7 @@
           <a:p>
             <a:fld id="{D626D27D-2B2B-4A3C-BBE7-6215BD497368}" type="datetimeFigureOut">
               <a:rPr lang="en-US" smtClean="0"/>
-              <a:t>5/4/2020</a:t>
+              <a:t>5/22/2020</a:t>
             </a:fld>
             <a:endParaRPr lang="en-US"/>
           </a:p>
@@ -1135,7 +1140,7 @@
           <a:p>
             <a:fld id="{D626D27D-2B2B-4A3C-BBE7-6215BD497368}" type="datetimeFigureOut">
               <a:rPr lang="en-US" smtClean="0"/>
-              <a:t>5/4/2020</a:t>
+              <a:t>5/22/2020</a:t>
             </a:fld>
             <a:endParaRPr lang="en-US"/>
           </a:p>
@@ -1400,7 +1405,7 @@
           <a:p>
             <a:fld id="{D626D27D-2B2B-4A3C-BBE7-6215BD497368}" type="datetimeFigureOut">
               <a:rPr lang="en-US" smtClean="0"/>
-              <a:t>5/4/2020</a:t>
+              <a:t>5/22/2020</a:t>
             </a:fld>
             <a:endParaRPr lang="en-US"/>
           </a:p>
@@ -1812,7 +1817,7 @@
           <a:p>
             <a:fld id="{D626D27D-2B2B-4A3C-BBE7-6215BD497368}" type="datetimeFigureOut">
               <a:rPr lang="en-US" smtClean="0"/>
-              <a:t>5/4/2020</a:t>
+              <a:t>5/22/2020</a:t>
             </a:fld>
             <a:endParaRPr lang="en-US"/>
           </a:p>
@@ -1953,7 +1958,7 @@
           <a:p>
             <a:fld id="{D626D27D-2B2B-4A3C-BBE7-6215BD497368}" type="datetimeFigureOut">
               <a:rPr lang="en-US" smtClean="0"/>
-              <a:t>5/4/2020</a:t>
+              <a:t>5/22/2020</a:t>
             </a:fld>
             <a:endParaRPr lang="en-US"/>
           </a:p>
@@ -2066,7 +2071,7 @@
           <a:p>
             <a:fld id="{D626D27D-2B2B-4A3C-BBE7-6215BD497368}" type="datetimeFigureOut">
               <a:rPr lang="en-US" smtClean="0"/>
-              <a:t>5/4/2020</a:t>
+              <a:t>5/22/2020</a:t>
             </a:fld>
             <a:endParaRPr lang="en-US"/>
           </a:p>
@@ -2377,7 +2382,7 @@
           <a:p>
             <a:fld id="{D626D27D-2B2B-4A3C-BBE7-6215BD497368}" type="datetimeFigureOut">
               <a:rPr lang="en-US" smtClean="0"/>
-              <a:t>5/4/2020</a:t>
+              <a:t>5/22/2020</a:t>
             </a:fld>
             <a:endParaRPr lang="en-US"/>
           </a:p>
@@ -2665,7 +2670,7 @@
           <a:p>
             <a:fld id="{D626D27D-2B2B-4A3C-BBE7-6215BD497368}" type="datetimeFigureOut">
               <a:rPr lang="en-US" smtClean="0"/>
-              <a:t>5/4/2020</a:t>
+              <a:t>5/22/2020</a:t>
             </a:fld>
             <a:endParaRPr lang="en-US"/>
           </a:p>
@@ -2906,7 +2911,7 @@
           <a:p>
             <a:fld id="{D626D27D-2B2B-4A3C-BBE7-6215BD497368}" type="datetimeFigureOut">
               <a:rPr lang="en-US" smtClean="0"/>
-              <a:t>5/4/2020</a:t>
+              <a:t>5/22/2020</a:t>
             </a:fld>
             <a:endParaRPr lang="en-US"/>
           </a:p>
@@ -3344,7 +3349,14 @@
           <a:bodyPr/>
           <a:lstStyle/>
           <a:p>
-            <a:endParaRPr lang="en-US"/>
+            <a:r>
+              <a:rPr lang="en-US"/>
+              <a:t>LM6484 Stability </a:t>
+            </a:r>
+            <a:r>
+              <a:rPr lang="en-US" dirty="0"/>
+              <a:t>Analysis</a:t>
+            </a:r>
           </a:p>
         </p:txBody>
       </p:sp>
@@ -3369,7 +3381,10 @@
           <a:bodyPr/>
           <a:lstStyle/>
           <a:p>
-            <a:endParaRPr lang="en-US"/>
+            <a:r>
+              <a:rPr lang="en-US" dirty="0"/>
+              <a:t>120pf 1X scope probe load</a:t>
+            </a:r>
           </a:p>
         </p:txBody>
       </p:sp>
@@ -3424,16 +3439,26 @@
           <a:bodyPr/>
           <a:lstStyle/>
           <a:p>
-            <a:endParaRPr lang="en-US"/>
+            <a:r>
+              <a:rPr lang="en-US" dirty="0"/>
+              <a:t>Virtual Ground Amplifier Stability</a:t>
+            </a:r>
+            <a:br>
+              <a:rPr lang="en-US" dirty="0"/>
+            </a:br>
+            <a:r>
+              <a:rPr lang="en-US" dirty="0"/>
+              <a:t>as Designed</a:t>
+            </a:r>
           </a:p>
         </p:txBody>
       </p:sp>
       <p:pic>
         <p:nvPicPr>
-          <p:cNvPr id="10" name="Content Placeholder 9">
-            <a:extLst>
-              <a:ext uri="{FF2B5EF4-FFF2-40B4-BE49-F238E27FC236}">
-                <a16:creationId xmlns:a16="http://schemas.microsoft.com/office/drawing/2014/main" id="{B623194B-4EF5-4A70-9DAB-3CEA66107B52}"/>
+          <p:cNvPr id="8" name="Content Placeholder 7">
+            <a:extLst>
+              <a:ext uri="{FF2B5EF4-FFF2-40B4-BE49-F238E27FC236}">
+                <a16:creationId xmlns:a16="http://schemas.microsoft.com/office/drawing/2014/main" id="{35EB81CC-6E97-4125-B88C-6EF53BF08783}"/>
               </a:ext>
             </a:extLst>
           </p:cNvPr>
@@ -3452,8 +3477,73 @@
         </p:blipFill>
         <p:spPr>
           <a:xfrm>
-            <a:off x="911197" y="1825625"/>
-            <a:ext cx="10369606" cy="4351338"/>
+            <a:off x="906198" y="1825625"/>
+            <a:ext cx="10379603" cy="4351338"/>
+          </a:xfrm>
+          <a:prstGeom prst="rect">
+            <a:avLst/>
+          </a:prstGeom>
+        </p:spPr>
+      </p:pic>
+      <p:sp>
+        <p:nvSpPr>
+          <p:cNvPr id="11" name="TextBox 10">
+            <a:extLst>
+              <a:ext uri="{FF2B5EF4-FFF2-40B4-BE49-F238E27FC236}">
+                <a16:creationId xmlns:a16="http://schemas.microsoft.com/office/drawing/2014/main" id="{D3F101E2-EB06-41D6-A77D-2669112E584F}"/>
+              </a:ext>
+            </a:extLst>
+          </p:cNvPr>
+          <p:cNvSpPr txBox="1"/>
+          <p:nvPr/>
+        </p:nvSpPr>
+        <p:spPr>
+          <a:xfrm>
+            <a:off x="8286750" y="4600575"/>
+            <a:ext cx="2287870" cy="369332"/>
+          </a:xfrm>
+          <a:prstGeom prst="rect">
+            <a:avLst/>
+          </a:prstGeom>
+          <a:noFill/>
+        </p:spPr>
+        <p:txBody>
+          <a:bodyPr wrap="none" rtlCol="0">
+            <a:spAutoFit/>
+          </a:bodyPr>
+          <a:lstStyle/>
+          <a:p>
+            <a:r>
+              <a:rPr lang="en-US" dirty="0"/>
+              <a:t>Phase Margin = 53.78°</a:t>
+            </a:r>
+          </a:p>
+        </p:txBody>
+      </p:sp>
+      <p:pic>
+        <p:nvPicPr>
+          <p:cNvPr id="14" name="Picture 13">
+            <a:extLst>
+              <a:ext uri="{FF2B5EF4-FFF2-40B4-BE49-F238E27FC236}">
+                <a16:creationId xmlns:a16="http://schemas.microsoft.com/office/drawing/2014/main" id="{C9AB95D7-027D-4D25-9347-F0861994C7E3}"/>
+              </a:ext>
+            </a:extLst>
+          </p:cNvPr>
+          <p:cNvPicPr>
+            <a:picLocks noChangeAspect="1"/>
+          </p:cNvPicPr>
+          <p:nvPr/>
+        </p:nvPicPr>
+        <p:blipFill>
+          <a:blip r:embed="rId3"/>
+          <a:stretch>
+            <a:fillRect/>
+          </a:stretch>
+        </p:blipFill>
+        <p:spPr>
+          <a:xfrm>
+            <a:off x="8421035" y="161925"/>
+            <a:ext cx="3565945" cy="1663700"/>
           </a:xfrm>
           <a:prstGeom prst="rect">
             <a:avLst/>
@@ -3490,37 +3580,12 @@
           <a:chExt cx="0" cy="0"/>
         </a:xfrm>
       </p:grpSpPr>
-      <p:sp>
-        <p:nvSpPr>
-          <p:cNvPr id="2" name="Title 1">
-            <a:extLst>
-              <a:ext uri="{FF2B5EF4-FFF2-40B4-BE49-F238E27FC236}">
-                <a16:creationId xmlns:a16="http://schemas.microsoft.com/office/drawing/2014/main" id="{6C919566-2BF1-4101-9E06-344E6748442A}"/>
-              </a:ext>
-            </a:extLst>
-          </p:cNvPr>
-          <p:cNvSpPr>
-            <a:spLocks noGrp="1"/>
-          </p:cNvSpPr>
-          <p:nvPr>
-            <p:ph type="title"/>
-          </p:nvPr>
-        </p:nvSpPr>
-        <p:spPr/>
-        <p:txBody>
-          <a:bodyPr/>
-          <a:lstStyle/>
-          <a:p>
-            <a:endParaRPr lang="en-US"/>
-          </a:p>
-        </p:txBody>
-      </p:sp>
       <p:pic>
         <p:nvPicPr>
-          <p:cNvPr id="7" name="Content Placeholder 6">
-            <a:extLst>
-              <a:ext uri="{FF2B5EF4-FFF2-40B4-BE49-F238E27FC236}">
-                <a16:creationId xmlns:a16="http://schemas.microsoft.com/office/drawing/2014/main" id="{C8437570-4305-4C80-B51E-CC027FE4731D}"/>
+          <p:cNvPr id="12" name="Content Placeholder 11">
+            <a:extLst>
+              <a:ext uri="{FF2B5EF4-FFF2-40B4-BE49-F238E27FC236}">
+                <a16:creationId xmlns:a16="http://schemas.microsoft.com/office/drawing/2014/main" id="{361E5C41-A5DE-46DA-9CD4-CE529241B17A}"/>
               </a:ext>
             </a:extLst>
           </p:cNvPr>
@@ -3539,8 +3604,108 @@
         </p:blipFill>
         <p:spPr>
           <a:xfrm>
-            <a:off x="911197" y="1825625"/>
-            <a:ext cx="10369606" cy="4351338"/>
+            <a:off x="906198" y="1825625"/>
+            <a:ext cx="10379603" cy="4351338"/>
+          </a:xfrm>
+          <a:prstGeom prst="rect">
+            <a:avLst/>
+          </a:prstGeom>
+        </p:spPr>
+      </p:pic>
+      <p:sp>
+        <p:nvSpPr>
+          <p:cNvPr id="2" name="Title 1">
+            <a:extLst>
+              <a:ext uri="{FF2B5EF4-FFF2-40B4-BE49-F238E27FC236}">
+                <a16:creationId xmlns:a16="http://schemas.microsoft.com/office/drawing/2014/main" id="{6C919566-2BF1-4101-9E06-344E6748442A}"/>
+              </a:ext>
+            </a:extLst>
+          </p:cNvPr>
+          <p:cNvSpPr>
+            <a:spLocks noGrp="1"/>
+          </p:cNvSpPr>
+          <p:nvPr>
+            <p:ph type="title"/>
+          </p:nvPr>
+        </p:nvSpPr>
+        <p:spPr/>
+        <p:txBody>
+          <a:bodyPr/>
+          <a:lstStyle/>
+          <a:p>
+            <a:r>
+              <a:rPr lang="en-US" dirty="0"/>
+              <a:t>Virtual Ground Amplifier Stability</a:t>
+            </a:r>
+            <a:br>
+              <a:rPr lang="en-US" dirty="0"/>
+            </a:br>
+            <a:r>
+              <a:rPr lang="en-US" dirty="0"/>
+              <a:t>with Capacitive Load Capability</a:t>
+            </a:r>
+          </a:p>
+        </p:txBody>
+      </p:sp>
+      <p:sp>
+        <p:nvSpPr>
+          <p:cNvPr id="6" name="TextBox 5">
+            <a:extLst>
+              <a:ext uri="{FF2B5EF4-FFF2-40B4-BE49-F238E27FC236}">
+                <a16:creationId xmlns:a16="http://schemas.microsoft.com/office/drawing/2014/main" id="{DC1B8DBD-6FBE-410C-BC70-DEBC9718108F}"/>
+              </a:ext>
+            </a:extLst>
+          </p:cNvPr>
+          <p:cNvSpPr txBox="1"/>
+          <p:nvPr/>
+        </p:nvSpPr>
+        <p:spPr>
+          <a:xfrm>
+            <a:off x="8286750" y="4600575"/>
+            <a:ext cx="2170851" cy="369332"/>
+          </a:xfrm>
+          <a:prstGeom prst="rect">
+            <a:avLst/>
+          </a:prstGeom>
+          <a:noFill/>
+        </p:spPr>
+        <p:txBody>
+          <a:bodyPr wrap="none" rtlCol="0">
+            <a:spAutoFit/>
+          </a:bodyPr>
+          <a:lstStyle/>
+          <a:p>
+            <a:r>
+              <a:rPr lang="en-US" dirty="0"/>
+              <a:t>Phase Margin = 53.9°</a:t>
+            </a:r>
+          </a:p>
+        </p:txBody>
+      </p:sp>
+      <p:pic>
+        <p:nvPicPr>
+          <p:cNvPr id="14" name="Picture 13">
+            <a:extLst>
+              <a:ext uri="{FF2B5EF4-FFF2-40B4-BE49-F238E27FC236}">
+                <a16:creationId xmlns:a16="http://schemas.microsoft.com/office/drawing/2014/main" id="{16A6AA72-6D92-4195-B00D-8ACCD7644523}"/>
+              </a:ext>
+            </a:extLst>
+          </p:cNvPr>
+          <p:cNvPicPr>
+            <a:picLocks noChangeAspect="1"/>
+          </p:cNvPicPr>
+          <p:nvPr/>
+        </p:nvPicPr>
+        <p:blipFill>
+          <a:blip r:embed="rId3"/>
+          <a:stretch>
+            <a:fillRect/>
+          </a:stretch>
+        </p:blipFill>
+        <p:spPr>
+          <a:xfrm>
+            <a:off x="8429625" y="207466"/>
+            <a:ext cx="3538537" cy="1640879"/>
           </a:xfrm>
           <a:prstGeom prst="rect">
             <a:avLst/>
